--- a/Textbooks/Miranda Cheng.pptx
+++ b/Textbooks/Miranda Cheng.pptx
@@ -506,19 +506,20 @@
             </a:r>
             <a:br/>
             <a:r>
-              <a:t>Miranda Cheng  </a:t>
+              <a:t>Miranda Cheng</a:t>
             </a:r>
             <a:br/>
-            <a:r>
-              <a:t>  </a:t>
-            </a:r>
             <a:br/>
             <a:r>
               <a:t># Textbook  </a:t>
             </a:r>
             <a:br/>
             <a:r>
-              <a:t>Theoretical Physics and Astrophysics, Ginzberg, 1st edition  </a:t>
+              <a:t>Theoretical Physics and Astrophysics, Ginzberg, 1st edition</a:t>
+            </a:r>
+            <a:br/>
+            <a:r>
+              <a:t>Knight, Physics for Scientists and Engineers: A Strategic Approach with Modern Physics, 3rd Edition, Chapter 37</a:t>
             </a:r>
             <a:br/>
             <a:r>
